--- a/Weekly Meeting/0504Meeting.pptx
+++ b/Weekly Meeting/0504Meeting.pptx
@@ -7,14 +7,11 @@
   <p:sldIdLst>
     <p:sldId id="256" r:id="rId3"/>
     <p:sldId id="287" r:id="rId4"/>
-    <p:sldId id="288" r:id="rId5"/>
-    <p:sldId id="290" r:id="rId6"/>
-    <p:sldId id="267" r:id="rId7"/>
   </p:sldIdLst>
   <p:sldSz cx="12192000" cy="6858000"/>
   <p:notesSz cx="6858000" cy="9144000"/>
   <p:custDataLst>
-    <p:tags r:id="rId11"/>
+    <p:tags r:id="rId8"/>
   </p:custDataLst>
   <p:defaultTextStyle>
     <a:defPPr>
@@ -3019,10 +3016,20 @@
             <p:ph idx="1"/>
           </p:nvPr>
         </p:nvSpPr>
-        <p:spPr/>
-        <p:txBody>
-          <a:bodyPr/>
-          <a:p>
+        <p:spPr>
+          <a:xfrm>
+            <a:off x="838200" y="1582420"/>
+            <a:ext cx="10515600" cy="4694555"/>
+          </a:xfrm>
+        </p:spPr>
+        <p:txBody>
+          <a:bodyPr/>
+          <a:p>
+            <a:pPr>
+              <a:lnSpc>
+                <a:spcPct val="150000"/>
+              </a:lnSpc>
+            </a:pPr>
             <a:r>
               <a:rPr lang="zh-CN" altLang="en-US"/>
               <a:t>本週希望能產出簡報</a:t>
@@ -3038,6 +3045,79 @@
             <a:endParaRPr lang="zh-CN" altLang="en-US"/>
           </a:p>
           <a:p>
+            <a:pPr>
+              <a:lnSpc>
+                <a:spcPct val="150000"/>
+              </a:lnSpc>
+            </a:pPr>
+            <a:r>
+              <a:rPr lang="en-US" altLang="zh-CN"/>
+              <a:t>Report</a:t>
+            </a:r>
+            <a:r>
+              <a:rPr lang="zh-CN" altLang="en-US"/>
+              <a:t>部分，可以等到匯報結束後再</a:t>
+            </a:r>
+            <a:r>
+              <a:rPr lang="zh-CN" altLang="en-US"/>
+              <a:t>處理</a:t>
+            </a:r>
+            <a:endParaRPr lang="zh-CN" altLang="en-US"/>
+          </a:p>
+          <a:p>
+            <a:pPr>
+              <a:lnSpc>
+                <a:spcPct val="150000"/>
+              </a:lnSpc>
+            </a:pPr>
+            <a:r>
+              <a:rPr lang="zh-CN" altLang="en-US"/>
+              <a:t>講解時間或許是一個小時，</a:t>
+            </a:r>
+            <a:r>
+              <a:rPr lang="zh-CN" altLang="en-US"/>
+              <a:t>要怎樣分配？</a:t>
+            </a:r>
+            <a:endParaRPr lang="zh-CN" altLang="en-US"/>
+          </a:p>
+          <a:p>
+            <a:pPr>
+              <a:lnSpc>
+                <a:spcPct val="150000"/>
+              </a:lnSpc>
+            </a:pPr>
+            <a:r>
+              <a:rPr lang="zh-CN" altLang="en-US"/>
+              <a:t>講解方式，大概是</a:t>
+            </a:r>
+            <a:r>
+              <a:rPr lang="zh-CN" altLang="en-US"/>
+              <a:t>怎樣分工？</a:t>
+            </a:r>
+            <a:endParaRPr lang="zh-CN" altLang="en-US"/>
+          </a:p>
+          <a:p>
+            <a:pPr>
+              <a:lnSpc>
+                <a:spcPct val="150000"/>
+              </a:lnSpc>
+            </a:pPr>
+            <a:r>
+              <a:rPr lang="zh-CN" altLang="en-US"/>
+              <a:t>老師是不是有提到過，需要大家提一些</a:t>
+            </a:r>
+            <a:r>
+              <a:rPr lang="zh-CN" altLang="en-US"/>
+              <a:t>問題？</a:t>
+            </a:r>
+            <a:endParaRPr lang="zh-CN" altLang="en-US"/>
+          </a:p>
+          <a:p>
+            <a:pPr>
+              <a:lnSpc>
+                <a:spcPct val="150000"/>
+              </a:lnSpc>
+            </a:pPr>
             <a:r>
               <a:rPr lang="en-US" altLang="zh-CN"/>
               <a:t>11</a:t>
@@ -3061,269 +3141,12 @@
             <a:endParaRPr lang="zh-CN" altLang="en-US"/>
           </a:p>
           <a:p>
-            <a:endParaRPr lang="zh-CN" altLang="en-US"/>
-          </a:p>
-          <a:p>
-            <a:endParaRPr lang="zh-CN" altLang="en-US"/>
-          </a:p>
-        </p:txBody>
-      </p:sp>
-    </p:spTree>
-  </p:cSld>
-  <p:clrMapOvr>
-    <a:masterClrMapping/>
-  </p:clrMapOvr>
-</p:sld>
-</file>
-
-<file path=ppt/slides/slide3.xml><?xml version="1.0" encoding="utf-8"?>
-<p:sld xmlns:a="http://schemas.openxmlformats.org/drawingml/2006/main" xmlns:r="http://schemas.openxmlformats.org/officeDocument/2006/relationships" xmlns:p="http://schemas.openxmlformats.org/presentationml/2006/main">
-  <p:cSld>
-    <p:spTree>
-      <p:nvGrpSpPr>
-        <p:cNvPr id="1" name=""/>
-        <p:cNvGrpSpPr/>
-        <p:nvPr/>
-      </p:nvGrpSpPr>
-      <p:grpSpPr/>
-      <p:sp>
-        <p:nvSpPr>
-          <p:cNvPr id="2" name="标题 1"/>
-          <p:cNvSpPr>
-            <a:spLocks noGrp="1"/>
-          </p:cNvSpPr>
-          <p:nvPr>
-            <p:ph type="title"/>
-          </p:nvPr>
-        </p:nvSpPr>
-        <p:spPr/>
-        <p:txBody>
-          <a:bodyPr/>
-          <a:p>
-            <a:r>
-              <a:rPr lang="zh-CN" altLang="en-US"/>
-              <a:t>簡報製作想法討論：</a:t>
-            </a:r>
-            <a:r>
-              <a:rPr lang="zh-CN" altLang="en-US">
-                <a:sym typeface="+mn-ea"/>
-              </a:rPr>
-              <a:t>數學小隊</a:t>
-            </a:r>
-            <a:endParaRPr lang="zh-CN" altLang="en-US"/>
-          </a:p>
-        </p:txBody>
-      </p:sp>
-      <p:sp>
-        <p:nvSpPr>
-          <p:cNvPr id="3" name="内容占位符 2"/>
-          <p:cNvSpPr>
-            <a:spLocks noGrp="1"/>
-          </p:cNvSpPr>
-          <p:nvPr>
-            <p:ph idx="1"/>
-          </p:nvPr>
-        </p:nvSpPr>
-        <p:spPr/>
-        <p:txBody>
-          <a:bodyPr/>
-          <a:p>
-            <a:endParaRPr lang="zh-CN" altLang="en-US"/>
-          </a:p>
-        </p:txBody>
-      </p:sp>
-    </p:spTree>
-  </p:cSld>
-  <p:clrMapOvr>
-    <a:masterClrMapping/>
-  </p:clrMapOvr>
-</p:sld>
-</file>
-
-<file path=ppt/slides/slide4.xml><?xml version="1.0" encoding="utf-8"?>
-<p:sld xmlns:a="http://schemas.openxmlformats.org/drawingml/2006/main" xmlns:r="http://schemas.openxmlformats.org/officeDocument/2006/relationships" xmlns:p="http://schemas.openxmlformats.org/presentationml/2006/main">
-  <p:cSld>
-    <p:spTree>
-      <p:nvGrpSpPr>
-        <p:cNvPr id="1" name=""/>
-        <p:cNvGrpSpPr/>
-        <p:nvPr/>
-      </p:nvGrpSpPr>
-      <p:grpSpPr/>
-      <p:sp>
-        <p:nvSpPr>
-          <p:cNvPr id="2" name="标题 1"/>
-          <p:cNvSpPr>
-            <a:spLocks noGrp="1"/>
-          </p:cNvSpPr>
-          <p:nvPr>
-            <p:ph type="title"/>
-          </p:nvPr>
-        </p:nvSpPr>
-        <p:spPr/>
-        <p:txBody>
-          <a:bodyPr/>
-          <a:p>
-            <a:r>
-              <a:rPr lang="zh-CN" altLang="en-US"/>
-              <a:t>簡報製作想法討論：</a:t>
-            </a:r>
-            <a:r>
-              <a:rPr lang="en-US" altLang="zh-CN"/>
-              <a:t>Coding</a:t>
-            </a:r>
-            <a:r>
-              <a:rPr lang="zh-CN" altLang="en-US"/>
-              <a:t>小隊</a:t>
-            </a:r>
-            <a:endParaRPr lang="zh-CN" altLang="en-US"/>
-          </a:p>
-        </p:txBody>
-      </p:sp>
-      <p:sp>
-        <p:nvSpPr>
-          <p:cNvPr id="3" name="内容占位符 2"/>
-          <p:cNvSpPr>
-            <a:spLocks noGrp="1"/>
-          </p:cNvSpPr>
-          <p:nvPr>
-            <p:ph idx="1"/>
-          </p:nvPr>
-        </p:nvSpPr>
-        <p:spPr/>
-        <p:txBody>
-          <a:bodyPr/>
-          <a:p>
-            <a:endParaRPr lang="zh-CN" altLang="en-US"/>
-          </a:p>
-        </p:txBody>
-      </p:sp>
-    </p:spTree>
-  </p:cSld>
-  <p:clrMapOvr>
-    <a:masterClrMapping/>
-  </p:clrMapOvr>
-</p:sld>
-</file>
-
-<file path=ppt/slides/slide5.xml><?xml version="1.0" encoding="utf-8"?>
-<p:sld xmlns:a="http://schemas.openxmlformats.org/drawingml/2006/main" xmlns:r="http://schemas.openxmlformats.org/officeDocument/2006/relationships" xmlns:p="http://schemas.openxmlformats.org/presentationml/2006/main">
-  <p:cSld>
-    <p:spTree>
-      <p:nvGrpSpPr>
-        <p:cNvPr id="1" name=""/>
-        <p:cNvGrpSpPr/>
-        <p:nvPr/>
-      </p:nvGrpSpPr>
-      <p:grpSpPr/>
-      <p:sp>
-        <p:nvSpPr>
-          <p:cNvPr id="2" name="标题 1"/>
-          <p:cNvSpPr>
-            <a:spLocks noGrp="1"/>
-          </p:cNvSpPr>
-          <p:nvPr>
-            <p:ph type="title"/>
-          </p:nvPr>
-        </p:nvSpPr>
-        <p:spPr>
-          <a:xfrm>
-            <a:off x="838200" y="344170"/>
-            <a:ext cx="10515600" cy="1325563"/>
-          </a:xfrm>
-        </p:spPr>
-        <p:txBody>
-          <a:bodyPr/>
-          <a:p>
-            <a:r>
-              <a:rPr lang="en-US" altLang="zh-CN"/>
-              <a:t>Plan</a:t>
-            </a:r>
-            <a:endParaRPr lang="en-US" altLang="zh-CN"/>
-          </a:p>
-        </p:txBody>
-      </p:sp>
-      <p:sp>
-        <p:nvSpPr>
-          <p:cNvPr id="3" name="内容占位符 2"/>
-          <p:cNvSpPr>
-            <a:spLocks noGrp="1"/>
-          </p:cNvSpPr>
-          <p:nvPr>
-            <p:ph idx="1"/>
-          </p:nvPr>
-        </p:nvSpPr>
-        <p:spPr>
-          <a:xfrm>
-            <a:off x="781050" y="1525905"/>
-            <a:ext cx="10515600" cy="5103495"/>
-          </a:xfrm>
-        </p:spPr>
-        <p:txBody>
-          <a:bodyPr>
-            <a:normAutofit lnSpcReduction="20000"/>
-          </a:bodyPr>
-          <a:p>
-            <a:pPr marL="0" indent="0">
-              <a:buNone/>
+            <a:pPr>
+              <a:lnSpc>
+                <a:spcPct val="150000"/>
+              </a:lnSpc>
             </a:pPr>
-            <a:r>
-              <a:rPr lang="en-US" altLang="zh-CN"/>
-              <a:t>1. </a:t>
-            </a:r>
-            <a:r>
-              <a:rPr lang="zh-CN" altLang="en-US"/>
-              <a:t>對已有的結果做整理</a:t>
-            </a:r>
-            <a:r>
-              <a:rPr lang="zh-CN" altLang="en-US"/>
-              <a:t>總結</a:t>
-            </a:r>
-            <a:endParaRPr lang="zh-CN" altLang="en-US"/>
-          </a:p>
-          <a:p>
-            <a:pPr marL="0" indent="0">
-              <a:buNone/>
-            </a:pPr>
-            <a:endParaRPr lang="en-US" altLang="zh-CN"/>
-          </a:p>
-          <a:p>
-            <a:pPr marL="0" indent="0">
-              <a:buNone/>
-            </a:pPr>
-            <a:r>
-              <a:rPr lang="en-US" altLang="zh-CN"/>
-              <a:t>2</a:t>
-            </a:r>
-            <a:r>
-              <a:rPr lang="zh-CN" altLang="en-US"/>
-              <a:t>. 開始使用</a:t>
-            </a:r>
-            <a:r>
-              <a:rPr lang="en-US" altLang="zh-CN"/>
-              <a:t>Canva</a:t>
-            </a:r>
-            <a:r>
-              <a:rPr lang="zh-CN" altLang="en-US"/>
-              <a:t>，</a:t>
-            </a:r>
-            <a:r>
-              <a:rPr lang="zh-CN" altLang="en-US">
-                <a:sym typeface="+mn-ea"/>
-              </a:rPr>
-              <a:t>分工製作</a:t>
-            </a:r>
-            <a:r>
-              <a:rPr lang="zh-CN" altLang="en-US"/>
-              <a:t>簡報</a:t>
-            </a:r>
-            <a:endParaRPr lang="zh-CN" altLang="en-US"/>
-          </a:p>
-          <a:p>
-            <a:pPr marL="0" indent="0">
-              <a:buNone/>
-            </a:pPr>
-            <a:endParaRPr lang="en-US" altLang="zh-CN"/>
+            <a:endParaRPr lang="zh-CN" altLang="en-US"/>
           </a:p>
         </p:txBody>
       </p:sp>

--- a/Weekly Meeting/0504Meeting.pptx
+++ b/Weekly Meeting/0504Meeting.pptx
@@ -3019,11 +3019,13 @@
         <p:spPr>
           <a:xfrm>
             <a:off x="838200" y="1582420"/>
-            <a:ext cx="10515600" cy="4694555"/>
+            <a:ext cx="10311130" cy="5202555"/>
           </a:xfrm>
         </p:spPr>
         <p:txBody>
-          <a:bodyPr/>
+          <a:bodyPr>
+            <a:normAutofit lnSpcReduction="20000"/>
+          </a:bodyPr>
           <a:p>
             <a:pPr>
               <a:lnSpc>
@@ -3072,11 +3074,17 @@
             </a:pPr>
             <a:r>
               <a:rPr lang="zh-CN" altLang="en-US"/>
-              <a:t>講解時間或許是一個小時，</a:t>
+              <a:t>講解時間（</a:t>
+            </a:r>
+            <a:r>
+              <a:rPr lang="en-US" altLang="zh-CN">
+                <a:sym typeface="+mn-ea"/>
+              </a:rPr>
+              <a:t>25min</a:t>
             </a:r>
             <a:r>
               <a:rPr lang="zh-CN" altLang="en-US"/>
-              <a:t>要怎樣分配？</a:t>
+              <a:t>），要怎樣分配？</a:t>
             </a:r>
             <a:endParaRPr lang="zh-CN" altLang="en-US"/>
           </a:p>
@@ -3088,11 +3096,37 @@
             </a:pPr>
             <a:r>
               <a:rPr lang="zh-CN" altLang="en-US"/>
-              <a:t>講解方式，大概是</a:t>
-            </a:r>
-            <a:r>
-              <a:rPr lang="zh-CN" altLang="en-US"/>
-              <a:t>怎樣分工？</a:t>
+              <a:t>講解方式，大概是怎樣分工？</a:t>
+            </a:r>
+            <a:r>
+              <a:rPr lang="zh-CN" altLang="en-US">
+                <a:sym typeface="+mn-ea"/>
+              </a:rPr>
+              <a:t>（</a:t>
+            </a:r>
+            <a:r>
+              <a:rPr lang="en-US" altLang="zh-CN">
+                <a:sym typeface="+mn-ea"/>
+              </a:rPr>
+              <a:t>5</a:t>
+            </a:r>
+            <a:r>
+              <a:rPr lang="zh-CN" altLang="en-US">
+                <a:sym typeface="+mn-ea"/>
+              </a:rPr>
+              <a:t>個人都講，每人</a:t>
+            </a:r>
+            <a:r>
+              <a:rPr lang="en-US" altLang="zh-CN">
+                <a:sym typeface="+mn-ea"/>
+              </a:rPr>
+              <a:t>5min</a:t>
+            </a:r>
+            <a:r>
+              <a:rPr lang="zh-CN" altLang="en-US">
+                <a:sym typeface="+mn-ea"/>
+              </a:rPr>
+              <a:t>）</a:t>
             </a:r>
             <a:endParaRPr lang="zh-CN" altLang="en-US"/>
           </a:p>
@@ -3104,11 +3138,31 @@
             </a:pPr>
             <a:r>
               <a:rPr lang="zh-CN" altLang="en-US"/>
-              <a:t>老師是不是有提到過，需要大家提一些</a:t>
+              <a:t>老師是不是有提到過，需要大家提至少</a:t>
+            </a:r>
+            <a:r>
+              <a:rPr lang="en-US" altLang="zh-CN"/>
+              <a:t>2</a:t>
             </a:r>
             <a:r>
               <a:rPr lang="zh-CN" altLang="en-US"/>
-              <a:t>問題？</a:t>
+              <a:t>个问题（</a:t>
+            </a:r>
+            <a:r>
+              <a:rPr lang="zh-CN" altLang="en-US" u="sng"/>
+              <a:t>理论</a:t>
+            </a:r>
+            <a:r>
+              <a:rPr lang="en-US" altLang="zh-CN"/>
+              <a:t>+</a:t>
+            </a:r>
+            <a:r>
+              <a:rPr lang="zh-CN" altLang="en-US" u="sng"/>
+              <a:t>应用</a:t>
+            </a:r>
+            <a:r>
+              <a:rPr lang="zh-CN" altLang="en-US"/>
+              <a:t>）</a:t>
             </a:r>
             <a:endParaRPr lang="zh-CN" altLang="en-US"/>
           </a:p>
@@ -3124,7 +3178,23 @@
             </a:r>
             <a:r>
               <a:rPr lang="zh-CN" altLang="en-US"/>
-              <a:t>日（週六）匯總初稿，</a:t>
+              <a:t>日（週六）</a:t>
+            </a:r>
+            <a:r>
+              <a:rPr lang="en-US" altLang="zh-CN"/>
+              <a:t>21</a:t>
+            </a:r>
+            <a:r>
+              <a:rPr lang="zh-CN" altLang="en-US"/>
+              <a:t>：</a:t>
+            </a:r>
+            <a:r>
+              <a:rPr lang="en-US" altLang="zh-CN"/>
+              <a:t>00</a:t>
+            </a:r>
+            <a:r>
+              <a:rPr lang="zh-CN" altLang="en-US"/>
+              <a:t>匯總初稿。</a:t>
             </a:r>
             <a:r>
               <a:rPr lang="en-US" altLang="zh-CN"/>
@@ -3132,7 +3202,23 @@
             </a:r>
             <a:r>
               <a:rPr lang="zh-CN" altLang="en-US"/>
-              <a:t>日（週日）試講，大家</a:t>
+              <a:t>日（週日）</a:t>
+            </a:r>
+            <a:r>
+              <a:rPr lang="en-US" altLang="zh-CN"/>
+              <a:t>21</a:t>
+            </a:r>
+            <a:r>
+              <a:rPr lang="zh-CN" altLang="en-US"/>
+              <a:t>：</a:t>
+            </a:r>
+            <a:r>
+              <a:rPr lang="en-US" altLang="zh-CN"/>
+              <a:t>00</a:t>
+            </a:r>
+            <a:r>
+              <a:rPr lang="zh-CN" altLang="en-US"/>
+              <a:t>試講，大家</a:t>
             </a:r>
             <a:r>
               <a:rPr lang="zh-CN" altLang="en-US"/>
